--- a/Images/Figures_PPT/PieWithOutRAPTORMod.pptx
+++ b/Images/Figures_PPT/PieWithOutRAPTORMod.pptx
@@ -307,7 +307,7 @@
           <a:p>
             <a:fld id="{E6744CE3-0875-4B69-89C0-6F72D8139561}" type="datetimeFigureOut">
               <a:rPr lang="en-GB" smtClean="0"/>
-              <a:t>07/05/2025</a:t>
+              <a:t>03/06/2025</a:t>
             </a:fld>
             <a:endParaRPr lang="en-GB"/>
           </a:p>
@@ -477,7 +477,7 @@
           <a:p>
             <a:fld id="{E6744CE3-0875-4B69-89C0-6F72D8139561}" type="datetimeFigureOut">
               <a:rPr lang="en-GB" smtClean="0"/>
-              <a:t>07/05/2025</a:t>
+              <a:t>03/06/2025</a:t>
             </a:fld>
             <a:endParaRPr lang="en-GB"/>
           </a:p>
@@ -723,7 +723,7 @@
           <a:p>
             <a:fld id="{E6744CE3-0875-4B69-89C0-6F72D8139561}" type="datetimeFigureOut">
               <a:rPr lang="en-GB" smtClean="0"/>
-              <a:t>07/05/2025</a:t>
+              <a:t>03/06/2025</a:t>
             </a:fld>
             <a:endParaRPr lang="en-GB"/>
           </a:p>
@@ -1011,7 +1011,7 @@
           <a:p>
             <a:fld id="{E6744CE3-0875-4B69-89C0-6F72D8139561}" type="datetimeFigureOut">
               <a:rPr lang="en-GB" smtClean="0"/>
-              <a:t>07/05/2025</a:t>
+              <a:t>03/06/2025</a:t>
             </a:fld>
             <a:endParaRPr lang="en-GB"/>
           </a:p>
@@ -1433,7 +1433,7 @@
           <a:p>
             <a:fld id="{E6744CE3-0875-4B69-89C0-6F72D8139561}" type="datetimeFigureOut">
               <a:rPr lang="en-GB" smtClean="0"/>
-              <a:t>07/05/2025</a:t>
+              <a:t>03/06/2025</a:t>
             </a:fld>
             <a:endParaRPr lang="en-GB"/>
           </a:p>
@@ -1551,7 +1551,7 @@
           <a:p>
             <a:fld id="{E6744CE3-0875-4B69-89C0-6F72D8139561}" type="datetimeFigureOut">
               <a:rPr lang="en-GB" smtClean="0"/>
-              <a:t>07/05/2025</a:t>
+              <a:t>03/06/2025</a:t>
             </a:fld>
             <a:endParaRPr lang="en-GB"/>
           </a:p>
@@ -1646,7 +1646,7 @@
           <a:p>
             <a:fld id="{E6744CE3-0875-4B69-89C0-6F72D8139561}" type="datetimeFigureOut">
               <a:rPr lang="en-GB" smtClean="0"/>
-              <a:t>07/05/2025</a:t>
+              <a:t>03/06/2025</a:t>
             </a:fld>
             <a:endParaRPr lang="en-GB"/>
           </a:p>
@@ -1859,7 +1859,7 @@
           <a:p>
             <a:fld id="{E6744CE3-0875-4B69-89C0-6F72D8139561}" type="datetimeFigureOut">
               <a:rPr lang="en-GB" smtClean="0"/>
-              <a:t>07/05/2025</a:t>
+              <a:t>03/06/2025</a:t>
             </a:fld>
             <a:endParaRPr lang="en-GB"/>
           </a:p>
@@ -2238,7 +2238,7 @@
         </p:nvGrpSpPr>
         <p:grpSpPr>
           <a:xfrm>
-            <a:off x="-932858" y="188640"/>
+            <a:off x="-1040362" y="116632"/>
             <a:ext cx="10184362" cy="6400800"/>
             <a:chOff x="-125962" y="914400"/>
             <a:chExt cx="10184362" cy="6400800"/>
@@ -3745,7 +3745,7 @@
                 </a:spcAft>
               </a:pPr>
               <a:r>
-                <a:rPr sz="1707">
+                <a:rPr sz="1707" b="1" dirty="0">
                   <a:solidFill>
                     <a:srgbClr val="000000">
                       <a:alpha val="100000"/>
@@ -3791,7 +3791,7 @@
                 </a:spcAft>
               </a:pPr>
               <a:r>
-                <a:rPr sz="1707">
+                <a:rPr sz="1707" b="1" dirty="0">
                   <a:solidFill>
                     <a:srgbClr val="000000">
                       <a:alpha val="100000"/>
@@ -3837,7 +3837,7 @@
                 </a:spcAft>
               </a:pPr>
               <a:r>
-                <a:rPr sz="1707" dirty="0">
+                <a:rPr sz="1707" b="1" dirty="0">
                   <a:solidFill>
                     <a:srgbClr val="000000">
                       <a:alpha val="100000"/>
@@ -3883,7 +3883,7 @@
                 </a:spcAft>
               </a:pPr>
               <a:r>
-                <a:rPr sz="1707" dirty="0">
+                <a:rPr sz="1707" b="1" dirty="0">
                   <a:solidFill>
                     <a:srgbClr val="000000">
                       <a:alpha val="100000"/>
@@ -3929,6 +3929,18 @@
                 </a:spcAft>
               </a:pPr>
               <a:r>
+                <a:rPr sz="1707" b="1" dirty="0">
+                  <a:solidFill>
+                    <a:srgbClr val="000000">
+                      <a:alpha val="100000"/>
+                    </a:srgbClr>
+                  </a:solidFill>
+                  <a:latin typeface="Arial"/>
+                  <a:cs typeface="Arial"/>
+                </a:rPr>
+                <a:t>Heterotroph</a:t>
+              </a:r>
+              <a:r>
                 <a:rPr sz="1707" dirty="0">
                   <a:solidFill>
                     <a:srgbClr val="000000">
@@ -3938,7 +3950,7 @@
                   <a:latin typeface="Arial"/>
                   <a:cs typeface="Arial"/>
                 </a:rPr>
-                <a:t>Heterotroph </a:t>
+                <a:t> </a:t>
               </a:r>
             </a:p>
           </p:txBody>
@@ -3975,7 +3987,7 @@
                 </a:spcAft>
               </a:pPr>
               <a:r>
-                <a:rPr sz="1707" dirty="0">
+                <a:rPr sz="1707" b="1" dirty="0">
                   <a:solidFill>
                     <a:srgbClr val="000000">
                       <a:alpha val="100000"/>
@@ -4021,6 +4033,18 @@
                 </a:spcAft>
               </a:pPr>
               <a:r>
+                <a:rPr sz="1707" b="1" dirty="0">
+                  <a:solidFill>
+                    <a:srgbClr val="000000">
+                      <a:alpha val="100000"/>
+                    </a:srgbClr>
+                  </a:solidFill>
+                  <a:latin typeface="Arial"/>
+                  <a:cs typeface="Arial"/>
+                </a:rPr>
+                <a:t>Endosymbiotic</a:t>
+              </a:r>
+              <a:r>
                 <a:rPr sz="1707" dirty="0">
                   <a:solidFill>
                     <a:srgbClr val="000000">
@@ -4030,7 +4054,7 @@
                   <a:latin typeface="Arial"/>
                   <a:cs typeface="Arial"/>
                 </a:rPr>
-                <a:t>Endosymbiotic </a:t>
+                <a:t> </a:t>
               </a:r>
             </a:p>
           </p:txBody>
@@ -4067,7 +4091,7 @@
                 </a:spcAft>
               </a:pPr>
               <a:r>
-                <a:rPr sz="1707" dirty="0">
+                <a:rPr sz="1707" b="1" dirty="0">
                   <a:solidFill>
                     <a:srgbClr val="000000">
                       <a:alpha val="100000"/>
@@ -4112,79 +4136,15 @@
                   <a:spcPts val="0"/>
                 </a:spcAft>
               </a:pPr>
-              <a:r>
-                <a:rPr sz="1320" dirty="0">
-                  <a:solidFill>
-                    <a:srgbClr val="000000">
-                      <a:alpha val="100000"/>
-                    </a:srgbClr>
-                  </a:solidFill>
-                  <a:latin typeface="Times New Roman"/>
-                  <a:cs typeface="Times New Roman"/>
-                </a:rPr>
-                <a:t>Metabolic Strategy Breakdown</a:t>
-              </a:r>
-              <a:r>
-                <a:rPr lang="en-US" sz="1320" dirty="0">
-                  <a:solidFill>
-                    <a:srgbClr val="000000">
-                      <a:alpha val="100000"/>
-                    </a:srgbClr>
-                  </a:solidFill>
-                  <a:latin typeface="Times New Roman"/>
-                  <a:cs typeface="Times New Roman"/>
-                </a:rPr>
-                <a:t>:</a:t>
-              </a:r>
-            </a:p>
-            <a:p>
-              <a:pPr marL="0" marR="0" indent="0" algn="l">
-                <a:lnSpc>
-                  <a:spcPts val="1320"/>
-                </a:lnSpc>
-                <a:spcBef>
-                  <a:spcPts val="0"/>
-                </a:spcBef>
-                <a:spcAft>
-                  <a:spcPts val="0"/>
-                </a:spcAft>
-              </a:pPr>
-              <a:r>
-                <a:rPr sz="1320" dirty="0">
-                  <a:solidFill>
-                    <a:srgbClr val="000000">
-                      <a:alpha val="100000"/>
-                    </a:srgbClr>
-                  </a:solidFill>
-                  <a:latin typeface="Times New Roman"/>
-                  <a:cs typeface="Times New Roman"/>
-                </a:rPr>
-                <a:t> </a:t>
-              </a:r>
-              <a:r>
-                <a:rPr lang="en-US" sz="1320" dirty="0">
-                  <a:solidFill>
-                    <a:srgbClr val="000000">
-                      <a:alpha val="100000"/>
-                    </a:srgbClr>
-                  </a:solidFill>
-                  <a:latin typeface="Times New Roman"/>
-                  <a:cs typeface="Times New Roman"/>
-                </a:rPr>
-                <a:t>No</a:t>
-              </a:r>
-              <a:r>
-                <a:rPr sz="1320" dirty="0">
-                  <a:solidFill>
-                    <a:srgbClr val="000000">
-                      <a:alpha val="100000"/>
-                    </a:srgbClr>
-                  </a:solidFill>
-                  <a:latin typeface="Times New Roman"/>
-                  <a:cs typeface="Times New Roman"/>
-                </a:rPr>
-                <a:t> RAPTOR</a:t>
-              </a:r>
+              <a:endParaRPr lang="en-US" sz="1320" dirty="0">
+                <a:solidFill>
+                  <a:srgbClr val="000000">
+                    <a:alpha val="100000"/>
+                  </a:srgbClr>
+                </a:solidFill>
+                <a:latin typeface="Times New Roman"/>
+                <a:cs typeface="Times New Roman"/>
+              </a:endParaRPr>
             </a:p>
           </p:txBody>
         </p:sp>
@@ -4244,7 +4204,7 @@
         </p:nvCxnSpPr>
         <p:spPr>
           <a:xfrm flipV="1">
-            <a:off x="1623540" y="2700523"/>
+            <a:off x="1516036" y="2628515"/>
             <a:ext cx="860228" cy="248324"/>
           </a:xfrm>
           <a:prstGeom prst="straightConnector1">
@@ -4285,7 +4245,7 @@
         </p:nvCxnSpPr>
         <p:spPr>
           <a:xfrm>
-            <a:off x="3982485" y="852857"/>
+            <a:off x="3874981" y="780849"/>
             <a:ext cx="229475" cy="991967"/>
           </a:xfrm>
           <a:prstGeom prst="straightConnector1">
